--- a/doc/hsacyl_v1.pptx
+++ b/doc/hsacyl_v1.pptx
@@ -289,11 +289,11 @@
           <c:showBubbleSize val="0"/>
         </c:dLbls>
         <c:gapWidth val="150"/>
-        <c:axId val="-2123882648"/>
-        <c:axId val="-2123879672"/>
+        <c:axId val="-2147189960"/>
+        <c:axId val="-2147177976"/>
       </c:barChart>
       <c:catAx>
-        <c:axId val="-2123882648"/>
+        <c:axId val="-2147189960"/>
         <c:scaling>
           <c:orientation val="minMax"/>
         </c:scaling>
@@ -302,7 +302,7 @@
         <c:majorTickMark val="out"/>
         <c:minorTickMark val="none"/>
         <c:tickLblPos val="nextTo"/>
-        <c:crossAx val="-2123879672"/>
+        <c:crossAx val="-2147177976"/>
         <c:crosses val="autoZero"/>
         <c:auto val="1"/>
         <c:lblAlgn val="ctr"/>
@@ -310,7 +310,7 @@
         <c:noMultiLvlLbl val="0"/>
       </c:catAx>
       <c:valAx>
-        <c:axId val="-2123879672"/>
+        <c:axId val="-2147177976"/>
         <c:scaling>
           <c:orientation val="minMax"/>
         </c:scaling>
@@ -321,7 +321,7 @@
         <c:majorTickMark val="out"/>
         <c:minorTickMark val="none"/>
         <c:tickLblPos val="nextTo"/>
-        <c:crossAx val="-2123882648"/>
+        <c:crossAx val="-2147189960"/>
         <c:crosses val="autoZero"/>
         <c:crossBetween val="between"/>
       </c:valAx>
@@ -754,6 +754,114 @@
           <a:bodyPr/>
           <a:lstStyle/>
           <a:p>
+            <a:r>
+              <a:rPr kumimoji="1" lang="en-US" altLang="zh-TW" dirty="0" smtClean="0"/>
+              <a:t>My main contribution</a:t>
+            </a:r>
+            <a:r>
+              <a:rPr kumimoji="1" lang="en-US" altLang="zh-TW" baseline="0" dirty="0" smtClean="0"/>
+              <a:t> </a:t>
+            </a:r>
+            <a:r>
+              <a:rPr kumimoji="1" lang="en-US" altLang="zh-TW" dirty="0" smtClean="0"/>
+              <a:t> : Parallel</a:t>
+            </a:r>
+            <a:r>
+              <a:rPr kumimoji="1" lang="en-US" altLang="zh-TW" baseline="0" dirty="0" smtClean="0"/>
+              <a:t> the SVM kernel function.  Kernel function( candidates are linear, polynomial , RBF, etc..  ) is used to </a:t>
+            </a:r>
+            <a:r>
+              <a:rPr kumimoji="1" lang="en-US" altLang="zh-TW" baseline="0" smtClean="0"/>
+              <a:t>map original data </a:t>
+            </a:r>
+            <a:r>
+              <a:rPr kumimoji="1" lang="en-US" altLang="zh-TW" baseline="0" dirty="0" smtClean="0"/>
+              <a:t>into higher dimension feature space.</a:t>
+            </a:r>
+            <a:endParaRPr kumimoji="1" lang="zh-TW" altLang="en-US" dirty="0"/>
+          </a:p>
+        </p:txBody>
+      </p:sp>
+      <p:sp>
+        <p:nvSpPr>
+          <p:cNvPr id="4" name="投影片編號版面配置區 3"/>
+          <p:cNvSpPr>
+            <a:spLocks noGrp="1"/>
+          </p:cNvSpPr>
+          <p:nvPr>
+            <p:ph type="sldNum" sz="quarter" idx="10"/>
+          </p:nvPr>
+        </p:nvSpPr>
+        <p:spPr/>
+        <p:txBody>
+          <a:bodyPr/>
+          <a:lstStyle/>
+          <a:p>
+            <a:fld id="{9166CC7E-C5C7-304B-902D-4A3597511951}" type="slidenum">
+              <a:rPr kumimoji="1" lang="zh-TW" altLang="en-US" smtClean="0"/>
+              <a:t>1</a:t>
+            </a:fld>
+            <a:endParaRPr kumimoji="1" lang="zh-TW" altLang="en-US"/>
+          </a:p>
+        </p:txBody>
+      </p:sp>
+    </p:spTree>
+    <p:extLst>
+      <p:ext uri="{BB962C8B-B14F-4D97-AF65-F5344CB8AC3E}">
+        <p14:creationId xmlns:p14="http://schemas.microsoft.com/office/powerpoint/2010/main" val="4294254774"/>
+      </p:ext>
+    </p:extLst>
+  </p:cSld>
+  <p:clrMapOvr>
+    <a:masterClrMapping/>
+  </p:clrMapOvr>
+</p:notes>
+</file>
+
+<file path=ppt/notesSlides/notesSlide2.xml><?xml version="1.0" encoding="utf-8"?>
+<p:notes xmlns:a="http://schemas.openxmlformats.org/drawingml/2006/main" xmlns:r="http://schemas.openxmlformats.org/officeDocument/2006/relationships" xmlns:p="http://schemas.openxmlformats.org/presentationml/2006/main">
+  <p:cSld>
+    <p:spTree>
+      <p:nvGrpSpPr>
+        <p:cNvPr id="1" name=""/>
+        <p:cNvGrpSpPr/>
+        <p:nvPr/>
+      </p:nvGrpSpPr>
+      <p:grpSpPr>
+        <a:xfrm>
+          <a:off x="0" y="0"/>
+          <a:ext cx="0" cy="0"/>
+          <a:chOff x="0" y="0"/>
+          <a:chExt cx="0" cy="0"/>
+        </a:xfrm>
+      </p:grpSpPr>
+      <p:sp>
+        <p:nvSpPr>
+          <p:cNvPr id="2" name="投影片影像版面配置區 1"/>
+          <p:cNvSpPr>
+            <a:spLocks noGrp="1" noRot="1" noChangeAspect="1"/>
+          </p:cNvSpPr>
+          <p:nvPr>
+            <p:ph type="sldImg"/>
+          </p:nvPr>
+        </p:nvSpPr>
+        <p:spPr/>
+      </p:sp>
+      <p:sp>
+        <p:nvSpPr>
+          <p:cNvPr id="3" name="備忘稿版面配置區 2"/>
+          <p:cNvSpPr>
+            <a:spLocks noGrp="1"/>
+          </p:cNvSpPr>
+          <p:nvPr>
+            <p:ph type="body" idx="1"/>
+          </p:nvPr>
+        </p:nvSpPr>
+        <p:spPr/>
+        <p:txBody>
+          <a:bodyPr/>
+          <a:lstStyle/>
+          <a:p>
             <a:pPr marL="0" marR="0" indent="0" algn="l" defTabSz="457200" rtl="0" eaLnBrk="1" fontAlgn="auto" latinLnBrk="0" hangingPunct="1">
               <a:lnSpc>
                 <a:spcPct val="100000"/>
@@ -771,6 +879,14 @@
               <a:tabLst/>
               <a:defRPr/>
             </a:pPr>
+            <a:r>
+              <a:rPr kumimoji="1" lang="en-US" altLang="zh-TW" dirty="0" smtClean="0"/>
+              <a:t>HOG</a:t>
+            </a:r>
+            <a:r>
+              <a:rPr kumimoji="1" lang="en-US" altLang="zh-TW" baseline="0" dirty="0" smtClean="0"/>
+              <a:t> Features :  Histogram Oriented Gradients features , used by people detection algorithm. Of cause it is worth  being parallelized in the future. </a:t>
+            </a:r>
             <a:endParaRPr kumimoji="1" lang="zh-TW" altLang="en-US" dirty="0"/>
           </a:p>
         </p:txBody>
@@ -5596,7 +5712,7 @@
           <p:nvPr/>
         </p:nvPicPr>
         <p:blipFill>
-          <a:blip r:embed="rId2">
+          <a:blip r:embed="rId3">
             <a:extLst>
               <a:ext uri="{28A0092B-C50C-407E-A947-70E740481C1C}">
                 <a14:useLocalDpi xmlns:a14="http://schemas.microsoft.com/office/drawing/2010/main" val="0"/>
@@ -5626,7 +5742,7 @@
           <p:nvPr/>
         </p:nvPicPr>
         <p:blipFill>
-          <a:blip r:embed="rId3">
+          <a:blip r:embed="rId4">
             <a:extLst>
               <a:ext uri="{28A0092B-C50C-407E-A947-70E740481C1C}">
                 <a14:useLocalDpi xmlns:a14="http://schemas.microsoft.com/office/drawing/2010/main" val="0"/>
@@ -5656,7 +5772,7 @@
           <p:nvPr/>
         </p:nvPicPr>
         <p:blipFill>
-          <a:blip r:embed="rId4"/>
+          <a:blip r:embed="rId5"/>
           <a:stretch>
             <a:fillRect/>
           </a:stretch>
@@ -5680,7 +5796,7 @@
           <p:nvPr/>
         </p:nvPicPr>
         <p:blipFill>
-          <a:blip r:embed="rId5"/>
+          <a:blip r:embed="rId6"/>
           <a:stretch>
             <a:fillRect/>
           </a:stretch>
@@ -5734,7 +5850,7 @@
           <p:nvPr/>
         </p:nvPicPr>
         <p:blipFill>
-          <a:blip r:embed="rId6">
+          <a:blip r:embed="rId7">
             <a:extLst>
               <a:ext uri="{28A0092B-C50C-407E-A947-70E740481C1C}">
                 <a14:useLocalDpi xmlns:a14="http://schemas.microsoft.com/office/drawing/2010/main" val="0"/>
@@ -5764,7 +5880,7 @@
           <p:nvPr/>
         </p:nvPicPr>
         <p:blipFill>
-          <a:blip r:embed="rId7" cstate="print">
+          <a:blip r:embed="rId8" cstate="print">
             <a:extLst>
               <a:ext uri="{28A0092B-C50C-407E-A947-70E740481C1C}">
                 <a14:useLocalDpi xmlns:a14="http://schemas.microsoft.com/office/drawing/2010/main" val="0"/>
@@ -6420,7 +6536,6 @@
               <a:rPr kumimoji="1" lang="en-US" altLang="zh-TW" dirty="0" smtClean="0"/>
               <a:t>HOG-feature  </a:t>
             </a:r>
-            <a:endParaRPr kumimoji="1" lang="en-US" altLang="zh-TW" dirty="0" smtClean="0"/>
           </a:p>
           <a:p>
             <a:pPr algn="ctr"/>
@@ -6718,8 +6833,8 @@
         </p:nvSpPr>
         <p:spPr>
           <a:xfrm>
-            <a:off x="6634867" y="5636712"/>
-            <a:ext cx="730235" cy="450432"/>
+            <a:off x="7125024" y="5468674"/>
+            <a:ext cx="730235" cy="273078"/>
           </a:xfrm>
           <a:prstGeom prst="ellipse">
             <a:avLst/>
@@ -6823,8 +6938,8 @@
         </p:nvSpPr>
         <p:spPr>
           <a:xfrm>
-            <a:off x="4760395" y="6258694"/>
-            <a:ext cx="2539910" cy="369332"/>
+            <a:off x="4864070" y="5814066"/>
+            <a:ext cx="2495501" cy="369332"/>
           </a:xfrm>
           <a:prstGeom prst="rect">
             <a:avLst/>
@@ -6845,6 +6960,54 @@
           </a:p>
         </p:txBody>
       </p:sp>
+      <p:pic>
+        <p:nvPicPr>
+          <p:cNvPr id="16" name="圖片 15"/>
+          <p:cNvPicPr>
+            <a:picLocks noChangeAspect="1"/>
+          </p:cNvPicPr>
+          <p:nvPr/>
+        </p:nvPicPr>
+        <p:blipFill>
+          <a:blip r:embed="rId3"/>
+          <a:stretch>
+            <a:fillRect/>
+          </a:stretch>
+        </p:blipFill>
+        <p:spPr>
+          <a:xfrm>
+            <a:off x="2813863" y="4379789"/>
+            <a:ext cx="1822687" cy="1818295"/>
+          </a:xfrm>
+          <a:prstGeom prst="rect">
+            <a:avLst/>
+          </a:prstGeom>
+        </p:spPr>
+      </p:pic>
+      <p:pic>
+        <p:nvPicPr>
+          <p:cNvPr id="17" name="圖片 16"/>
+          <p:cNvPicPr>
+            <a:picLocks noChangeAspect="1"/>
+          </p:cNvPicPr>
+          <p:nvPr/>
+        </p:nvPicPr>
+        <p:blipFill>
+          <a:blip r:embed="rId4"/>
+          <a:stretch>
+            <a:fillRect/>
+          </a:stretch>
+        </p:blipFill>
+        <p:spPr>
+          <a:xfrm>
+            <a:off x="206055" y="4487222"/>
+            <a:ext cx="1206500" cy="1710861"/>
+          </a:xfrm>
+          <a:prstGeom prst="rect">
+            <a:avLst/>
+          </a:prstGeom>
+        </p:spPr>
+      </p:pic>
     </p:spTree>
     <p:extLst>
       <p:ext uri="{BB962C8B-B14F-4D97-AF65-F5344CB8AC3E}">
@@ -6928,11 +7091,7 @@
             </a:r>
             <a:r>
               <a:rPr kumimoji="1" lang="en-US" altLang="zh-TW" dirty="0" smtClean="0"/>
-              <a:t>ompile opencv-</a:t>
-            </a:r>
-            <a:r>
-              <a:rPr kumimoji="1" lang="en-US" altLang="zh-TW" dirty="0" smtClean="0"/>
-              <a:t>3.0.0</a:t>
+              <a:t>ompile opencv-3.0.0</a:t>
             </a:r>
           </a:p>
           <a:p>
@@ -6992,11 +7151,7 @@
             <a:pPr lvl="1"/>
             <a:r>
               <a:rPr kumimoji="1" lang="en-US" altLang="zh-TW" dirty="0" smtClean="0"/>
-              <a:t>When utilizing SNACK, use </a:t>
-            </a:r>
-            <a:r>
-              <a:rPr kumimoji="1" lang="en-US" altLang="zh-TW" dirty="0" smtClean="0"/>
-              <a:t>CLOC to generate SNACK object file and include it in </a:t>
+              <a:t>When utilizing SNACK, use CLOC to generate SNACK object file and include it in </a:t>
             </a:r>
             <a:r>
               <a:rPr kumimoji="1" lang="en-US" altLang="zh-TW" dirty="0" err="1" smtClean="0"/>
@@ -7095,13 +7250,13 @@
           <p:nvPr>
             <p:extLst>
               <p:ext uri="{D42A27DB-BD31-4B8C-83A1-F6EECF244321}">
-                <p14:modId xmlns:p14="http://schemas.microsoft.com/office/powerpoint/2010/main" val="3095636711"/>
+                <p14:modId xmlns:p14="http://schemas.microsoft.com/office/powerpoint/2010/main" val="319185680"/>
               </p:ext>
             </p:extLst>
           </p:nvPr>
         </p:nvGraphicFramePr>
         <p:xfrm>
-          <a:off x="1581416" y="2034398"/>
+          <a:off x="403272" y="1503442"/>
           <a:ext cx="6427075" cy="3787445"/>
         </p:xfrm>
         <a:graphic>
@@ -7118,8 +7273,8 @@
         </p:nvSpPr>
         <p:spPr>
           <a:xfrm>
-            <a:off x="6181312" y="4120631"/>
-            <a:ext cx="2112272" cy="1754327"/>
+            <a:off x="4810672" y="3163230"/>
+            <a:ext cx="1784665" cy="1754327"/>
           </a:xfrm>
           <a:prstGeom prst="rect">
             <a:avLst/>
@@ -7142,6 +7297,54 @@
           </a:p>
         </p:txBody>
       </p:sp>
+      <p:pic>
+        <p:nvPicPr>
+          <p:cNvPr id="6" name="圖片 5"/>
+          <p:cNvPicPr>
+            <a:picLocks noChangeAspect="1"/>
+          </p:cNvPicPr>
+          <p:nvPr/>
+        </p:nvPicPr>
+        <p:blipFill>
+          <a:blip r:embed="rId3"/>
+          <a:stretch>
+            <a:fillRect/>
+          </a:stretch>
+        </p:blipFill>
+        <p:spPr>
+          <a:xfrm>
+            <a:off x="6830347" y="3977868"/>
+            <a:ext cx="2015159" cy="2447335"/>
+          </a:xfrm>
+          <a:prstGeom prst="rect">
+            <a:avLst/>
+          </a:prstGeom>
+        </p:spPr>
+      </p:pic>
+      <p:pic>
+        <p:nvPicPr>
+          <p:cNvPr id="3" name="圖片 2"/>
+          <p:cNvPicPr>
+            <a:picLocks noChangeAspect="1"/>
+          </p:cNvPicPr>
+          <p:nvPr/>
+        </p:nvPicPr>
+        <p:blipFill>
+          <a:blip r:embed="rId4"/>
+          <a:stretch>
+            <a:fillRect/>
+          </a:stretch>
+        </p:blipFill>
+        <p:spPr>
+          <a:xfrm>
+            <a:off x="6830346" y="1503441"/>
+            <a:ext cx="2015159" cy="2139815"/>
+          </a:xfrm>
+          <a:prstGeom prst="rect">
+            <a:avLst/>
+          </a:prstGeom>
+        </p:spPr>
+      </p:pic>
     </p:spTree>
     <p:extLst>
       <p:ext uri="{BB962C8B-B14F-4D97-AF65-F5344CB8AC3E}">
@@ -7231,38 +7434,14 @@
           <a:p>
             <a:r>
               <a:rPr kumimoji="1" lang="en-US" altLang="zh-TW" dirty="0" smtClean="0"/>
-              <a:t>In </a:t>
-            </a:r>
-            <a:r>
-              <a:rPr kumimoji="1" lang="en-US" altLang="zh-TW" dirty="0" smtClean="0"/>
-              <a:t>this algorithm , training data were loaded only once </a:t>
-            </a:r>
-            <a:r>
-              <a:rPr kumimoji="1" lang="en-US" altLang="zh-TW" dirty="0" smtClean="0"/>
-              <a:t>and then the kernel </a:t>
-            </a:r>
-            <a:r>
-              <a:rPr kumimoji="1" lang="en-US" altLang="zh-TW" dirty="0" smtClean="0"/>
-              <a:t>iterates by several times for saturation condition.  </a:t>
-            </a:r>
-            <a:r>
-              <a:rPr kumimoji="1" lang="en-US" altLang="zh-TW" dirty="0" smtClean="0"/>
-              <a:t/>
+              <a:t>In this algorithm , training data were loaded only once and then the kernel iterates by several times for saturation condition.  </a:t>
             </a:r>
             <a:br>
               <a:rPr kumimoji="1" lang="en-US" altLang="zh-TW" dirty="0" smtClean="0"/>
             </a:br>
             <a:r>
               <a:rPr kumimoji="1" lang="en-US" altLang="zh-TW" dirty="0" smtClean="0"/>
-              <a:t>=</a:t>
-            </a:r>
-            <a:r>
-              <a:rPr kumimoji="1" lang="en-US" altLang="zh-TW" dirty="0" smtClean="0"/>
-              <a:t>&gt; only small part of data need to be </a:t>
-            </a:r>
-            <a:r>
-              <a:rPr kumimoji="1" lang="en-US" altLang="zh-TW" dirty="0" smtClean="0"/>
-              <a:t>reloaded </a:t>
+              <a:t>=&gt; only small part of data need to be reloaded </a:t>
             </a:r>
             <a:br>
               <a:rPr kumimoji="1" lang="en-US" altLang="zh-TW" dirty="0" smtClean="0"/>
@@ -7271,7 +7450,6 @@
               <a:rPr kumimoji="1" lang="en-US" altLang="zh-TW" dirty="0" smtClean="0"/>
               <a:t>=&gt; HSA helps only in initialization. </a:t>
             </a:r>
-            <a:endParaRPr kumimoji="1" lang="en-US" altLang="zh-TW" dirty="0" smtClean="0"/>
           </a:p>
           <a:p>
             <a:r>
@@ -7285,10 +7463,6 @@
             <a:r>
               <a:rPr kumimoji="1" lang="en-US" altLang="zh-TW" dirty="0" smtClean="0"/>
               <a:t> API. In this case, this HSA-API performs more poorly than legacy one. </a:t>
-            </a:r>
-            <a:r>
-              <a:rPr kumimoji="1" lang="en-US" altLang="zh-TW" dirty="0" smtClean="0"/>
-              <a:t/>
             </a:r>
             <a:br>
               <a:rPr kumimoji="1" lang="en-US" altLang="zh-TW" dirty="0" smtClean="0"/>

--- a/doc/hsacyl_v1.pptx
+++ b/doc/hsacyl_v1.pptx
@@ -768,15 +768,7 @@
             </a:r>
             <a:r>
               <a:rPr kumimoji="1" lang="en-US" altLang="zh-TW" baseline="0" dirty="0" smtClean="0"/>
-              <a:t> the SVM kernel function.  Kernel function( candidates are linear, polynomial , RBF, etc..  ) is used to </a:t>
-            </a:r>
-            <a:r>
-              <a:rPr kumimoji="1" lang="en-US" altLang="zh-TW" baseline="0" smtClean="0"/>
-              <a:t>map original data </a:t>
-            </a:r>
-            <a:r>
-              <a:rPr kumimoji="1" lang="en-US" altLang="zh-TW" baseline="0" dirty="0" smtClean="0"/>
-              <a:t>into higher dimension feature space.</a:t>
+              <a:t> the SVM kernel function.  Kernel function( candidates are linear, polynomial , RBF, etc..  ) is used to map original data into higher dimension feature space.</a:t>
             </a:r>
             <a:endParaRPr kumimoji="1" lang="zh-TW" altLang="en-US" dirty="0"/>
           </a:p>
@@ -6954,7 +6946,15 @@
           <a:p>
             <a:r>
               <a:rPr kumimoji="1" lang="en-US" altLang="zh-TW" dirty="0" smtClean="0"/>
-              <a:t>HSA-Applied Scope </a:t>
+              <a:t>HSA-</a:t>
+            </a:r>
+            <a:r>
+              <a:rPr kumimoji="1" lang="en-US" altLang="zh-TW" dirty="0" smtClean="0"/>
+              <a:t>Applied </a:t>
+            </a:r>
+            <a:r>
+              <a:rPr kumimoji="1" lang="en-US" altLang="zh-TW" dirty="0" smtClean="0"/>
+              <a:t>Scope </a:t>
             </a:r>
             <a:endParaRPr kumimoji="1" lang="zh-TW" altLang="en-US" dirty="0"/>
           </a:p>
@@ -7081,17 +7081,48 @@
         <p:spPr/>
         <p:txBody>
           <a:bodyPr>
-            <a:normAutofit lnSpcReduction="10000"/>
+            <a:normAutofit fontScale="77500" lnSpcReduction="20000"/>
           </a:bodyPr>
           <a:lstStyle/>
           <a:p>
             <a:r>
-              <a:rPr kumimoji="1" lang="en-US" altLang="zh-TW" dirty="0"/>
-              <a:t>c</a:t>
-            </a:r>
-            <a:r>
               <a:rPr kumimoji="1" lang="en-US" altLang="zh-TW" dirty="0" smtClean="0"/>
-              <a:t>ompile opencv-3.0.0</a:t>
+              <a:t>Build the machine : AMD A10-7850K</a:t>
+            </a:r>
+          </a:p>
+          <a:p>
+            <a:pPr lvl="1"/>
+            <a:r>
+              <a:rPr kumimoji="1" lang="en-US" altLang="zh-TW" dirty="0" smtClean="0"/>
+              <a:t/>
+            </a:r>
+            <a:br>
+              <a:rPr kumimoji="1" lang="en-US" altLang="zh-TW" dirty="0" smtClean="0"/>
+            </a:br>
+            <a:r>
+              <a:rPr kumimoji="1" lang="en-US" altLang="zh-TW" dirty="0" smtClean="0"/>
+              <a:t/>
+            </a:r>
+            <a:br>
+              <a:rPr kumimoji="1" lang="en-US" altLang="zh-TW" dirty="0" smtClean="0"/>
+            </a:br>
+            <a:r>
+              <a:rPr kumimoji="1" lang="en-US" altLang="zh-TW" dirty="0" smtClean="0"/>
+              <a:t/>
+            </a:r>
+            <a:br>
+              <a:rPr kumimoji="1" lang="en-US" altLang="zh-TW" dirty="0" smtClean="0"/>
+            </a:br>
+            <a:endParaRPr kumimoji="1" lang="en-US" altLang="zh-TW" dirty="0" smtClean="0"/>
+          </a:p>
+          <a:p>
+            <a:r>
+              <a:rPr kumimoji="1" lang="en-US" altLang="zh-TW" dirty="0" smtClean="0"/>
+              <a:t>compile </a:t>
+            </a:r>
+            <a:r>
+              <a:rPr kumimoji="1" lang="en-US" altLang="zh-TW" dirty="0" smtClean="0"/>
+              <a:t>opencv-3.0.0</a:t>
             </a:r>
           </a:p>
           <a:p>
@@ -7183,6 +7214,30 @@
           </a:p>
         </p:txBody>
       </p:sp>
+      <p:pic>
+        <p:nvPicPr>
+          <p:cNvPr id="4" name="圖片 3"/>
+          <p:cNvPicPr>
+            <a:picLocks noChangeAspect="1"/>
+          </p:cNvPicPr>
+          <p:nvPr/>
+        </p:nvPicPr>
+        <p:blipFill>
+          <a:blip r:embed="rId2"/>
+          <a:stretch>
+            <a:fillRect/>
+          </a:stretch>
+        </p:blipFill>
+        <p:spPr>
+          <a:xfrm>
+            <a:off x="1116941" y="1991818"/>
+            <a:ext cx="6028423" cy="930386"/>
+          </a:xfrm>
+          <a:prstGeom prst="rect">
+            <a:avLst/>
+          </a:prstGeom>
+        </p:spPr>
+      </p:pic>
     </p:spTree>
     <p:extLst>
       <p:ext uri="{BB962C8B-B14F-4D97-AF65-F5344CB8AC3E}">

--- a/doc/hsacyl_v1.pptx
+++ b/doc/hsacyl_v1.pptx
@@ -5,7 +5,7 @@
     <p:sldMasterId id="2147483678" r:id="rId1"/>
   </p:sldMasterIdLst>
   <p:notesMasterIdLst>
-    <p:notesMasterId r:id="rId7"/>
+    <p:notesMasterId r:id="rId8"/>
   </p:notesMasterIdLst>
   <p:sldIdLst>
     <p:sldId id="261" r:id="rId2"/>
@@ -13,6 +13,7 @@
     <p:sldId id="260" r:id="rId4"/>
     <p:sldId id="257" r:id="rId5"/>
     <p:sldId id="258" r:id="rId6"/>
+    <p:sldId id="262" r:id="rId7"/>
   </p:sldIdLst>
   <p:sldSz cx="9144000" cy="6858000" type="screen4x3"/>
   <p:notesSz cx="6858000" cy="9144000"/>
@@ -289,11 +290,11 @@
           <c:showBubbleSize val="0"/>
         </c:dLbls>
         <c:gapWidth val="150"/>
-        <c:axId val="-2147189960"/>
-        <c:axId val="-2147177976"/>
+        <c:axId val="-2110303736"/>
+        <c:axId val="-2108448968"/>
       </c:barChart>
       <c:catAx>
-        <c:axId val="-2147189960"/>
+        <c:axId val="-2110303736"/>
         <c:scaling>
           <c:orientation val="minMax"/>
         </c:scaling>
@@ -302,7 +303,7 @@
         <c:majorTickMark val="out"/>
         <c:minorTickMark val="none"/>
         <c:tickLblPos val="nextTo"/>
-        <c:crossAx val="-2147177976"/>
+        <c:crossAx val="-2108448968"/>
         <c:crosses val="autoZero"/>
         <c:auto val="1"/>
         <c:lblAlgn val="ctr"/>
@@ -310,7 +311,7 @@
         <c:noMultiLvlLbl val="0"/>
       </c:catAx>
       <c:valAx>
-        <c:axId val="-2147177976"/>
+        <c:axId val="-2108448968"/>
         <c:scaling>
           <c:orientation val="minMax"/>
         </c:scaling>
@@ -321,7 +322,7 @@
         <c:majorTickMark val="out"/>
         <c:minorTickMark val="none"/>
         <c:tickLblPos val="nextTo"/>
-        <c:crossAx val="-2147189960"/>
+        <c:crossAx val="-2110303736"/>
         <c:crosses val="autoZero"/>
         <c:crossBetween val="between"/>
       </c:valAx>
@@ -442,7 +443,7 @@
           <a:p>
             <a:fld id="{B357986D-3CB2-754F-89C1-76A727338D8E}" type="datetimeFigureOut">
               <a:rPr kumimoji="1" lang="zh-TW" altLang="en-US" smtClean="0"/>
-              <a:t>15/3/2</a:t>
+              <a:t>15/3/4</a:t>
             </a:fld>
             <a:endParaRPr kumimoji="1" lang="zh-TW" altLang="en-US"/>
           </a:p>
@@ -1013,7 +1014,7 @@
           <a:p>
             <a:fld id="{A2F0292D-1797-49A5-8D2D-8D50C72EF3CC}" type="datetimeFigureOut">
               <a:rPr lang="en-US" smtClean="0"/>
-              <a:t>15/3/2</a:t>
+              <a:t>15/3/4</a:t>
             </a:fld>
             <a:endParaRPr lang="en-US"/>
           </a:p>
@@ -1316,7 +1317,7 @@
           <a:p>
             <a:fld id="{A2F0292D-1797-49A5-8D2D-8D50C72EF3CC}" type="datetimeFigureOut">
               <a:rPr lang="en-US" smtClean="0"/>
-              <a:t>15/3/2</a:t>
+              <a:t>15/3/4</a:t>
             </a:fld>
             <a:endParaRPr lang="en-US"/>
           </a:p>
@@ -1406,7 +1407,7 @@
           <a:p>
             <a:fld id="{A2F0292D-1797-49A5-8D2D-8D50C72EF3CC}" type="datetimeFigureOut">
               <a:rPr lang="en-US" smtClean="0"/>
-              <a:t>15/3/2</a:t>
+              <a:t>15/3/4</a:t>
             </a:fld>
             <a:endParaRPr lang="en-US"/>
           </a:p>
@@ -1685,7 +1686,7 @@
           <a:p>
             <a:fld id="{A2F0292D-1797-49A5-8D2D-8D50C72EF3CC}" type="datetimeFigureOut">
               <a:rPr lang="en-US" smtClean="0"/>
-              <a:t>15/3/2</a:t>
+              <a:t>15/3/4</a:t>
             </a:fld>
             <a:endParaRPr lang="en-US"/>
           </a:p>
@@ -1775,7 +1776,7 @@
           <a:p>
             <a:fld id="{A2F0292D-1797-49A5-8D2D-8D50C72EF3CC}" type="datetimeFigureOut">
               <a:rPr lang="en-US" smtClean="0"/>
-              <a:t>15/3/2</a:t>
+              <a:t>15/3/4</a:t>
             </a:fld>
             <a:endParaRPr lang="en-US"/>
           </a:p>
@@ -2146,7 +2147,7 @@
           <a:p>
             <a:fld id="{A2F0292D-1797-49A5-8D2D-8D50C72EF3CC}" type="datetimeFigureOut">
               <a:rPr lang="en-US" smtClean="0"/>
-              <a:t>15/3/2</a:t>
+              <a:t>15/3/4</a:t>
             </a:fld>
             <a:endParaRPr lang="en-US"/>
           </a:p>
@@ -2325,7 +2326,7 @@
           <a:p>
             <a:fld id="{A2F0292D-1797-49A5-8D2D-8D50C72EF3CC}" type="datetimeFigureOut">
               <a:rPr lang="en-US" smtClean="0"/>
-              <a:t>15/3/2</a:t>
+              <a:t>15/3/4</a:t>
             </a:fld>
             <a:endParaRPr lang="en-US"/>
           </a:p>
@@ -2494,7 +2495,7 @@
           <a:p>
             <a:fld id="{A2F0292D-1797-49A5-8D2D-8D50C72EF3CC}" type="datetimeFigureOut">
               <a:rPr lang="en-US" smtClean="0"/>
-              <a:t>15/3/2</a:t>
+              <a:t>15/3/4</a:t>
             </a:fld>
             <a:endParaRPr lang="en-US"/>
           </a:p>
@@ -2629,7 +2630,7 @@
           <a:p>
             <a:fld id="{A2F0292D-1797-49A5-8D2D-8D50C72EF3CC}" type="datetimeFigureOut">
               <a:rPr lang="en-US" smtClean="0"/>
-              <a:t>15/3/2</a:t>
+              <a:t>15/3/4</a:t>
             </a:fld>
             <a:endParaRPr lang="en-US"/>
           </a:p>
@@ -3150,7 +3151,7 @@
           <a:p>
             <a:fld id="{A2F0292D-1797-49A5-8D2D-8D50C72EF3CC}" type="datetimeFigureOut">
               <a:rPr lang="en-US" smtClean="0"/>
-              <a:t>15/3/2</a:t>
+              <a:t>15/3/4</a:t>
             </a:fld>
             <a:endParaRPr lang="en-US"/>
           </a:p>
@@ -3463,7 +3464,7 @@
           <a:p>
             <a:fld id="{A2F0292D-1797-49A5-8D2D-8D50C72EF3CC}" type="datetimeFigureOut">
               <a:rPr lang="en-US" smtClean="0"/>
-              <a:t>15/3/2</a:t>
+              <a:t>15/3/4</a:t>
             </a:fld>
             <a:endParaRPr lang="en-US"/>
           </a:p>
@@ -3890,7 +3891,7 @@
           <a:p>
             <a:fld id="{A2F0292D-1797-49A5-8D2D-8D50C72EF3CC}" type="datetimeFigureOut">
               <a:rPr lang="en-US" smtClean="0"/>
-              <a:t>15/3/2</a:t>
+              <a:t>15/3/4</a:t>
             </a:fld>
             <a:endParaRPr lang="en-US"/>
           </a:p>
@@ -4090,7 +4091,7 @@
           <a:p>
             <a:fld id="{A2F0292D-1797-49A5-8D2D-8D50C72EF3CC}" type="datetimeFigureOut">
               <a:rPr lang="en-US" smtClean="0"/>
-              <a:t>15/3/2</a:t>
+              <a:t>15/3/4</a:t>
             </a:fld>
             <a:endParaRPr lang="en-US"/>
           </a:p>
@@ -4377,7 +4378,7 @@
           <a:p>
             <a:fld id="{A2F0292D-1797-49A5-8D2D-8D50C72EF3CC}" type="datetimeFigureOut">
               <a:rPr lang="en-US" smtClean="0"/>
-              <a:t>15/3/2</a:t>
+              <a:t>15/3/4</a:t>
             </a:fld>
             <a:endParaRPr lang="en-US"/>
           </a:p>
@@ -4664,7 +4665,7 @@
           <a:p>
             <a:fld id="{A2F0292D-1797-49A5-8D2D-8D50C72EF3CC}" type="datetimeFigureOut">
               <a:rPr lang="en-US" smtClean="0"/>
-              <a:t>15/3/2</a:t>
+              <a:t>15/3/4</a:t>
             </a:fld>
             <a:endParaRPr lang="en-US"/>
           </a:p>
@@ -5220,7 +5221,7 @@
           <a:p>
             <a:fld id="{A2F0292D-1797-49A5-8D2D-8D50C72EF3CC}" type="datetimeFigureOut">
               <a:rPr lang="en-US" smtClean="0"/>
-              <a:t>15/3/2</a:t>
+              <a:t>15/3/4</a:t>
             </a:fld>
             <a:endParaRPr lang="en-US"/>
           </a:p>
@@ -5771,8 +5772,8 @@
         </p:blipFill>
         <p:spPr>
           <a:xfrm>
-            <a:off x="726141" y="4936983"/>
-            <a:ext cx="3388393" cy="1607774"/>
+            <a:off x="726141" y="4936982"/>
+            <a:ext cx="3388393" cy="1604399"/>
           </a:xfrm>
           <a:prstGeom prst="rect">
             <a:avLst/>
@@ -6946,15 +6947,7 @@
           <a:p>
             <a:r>
               <a:rPr kumimoji="1" lang="en-US" altLang="zh-TW" dirty="0" smtClean="0"/>
-              <a:t>HSA-</a:t>
-            </a:r>
-            <a:r>
-              <a:rPr kumimoji="1" lang="en-US" altLang="zh-TW" dirty="0" smtClean="0"/>
-              <a:t>Applied </a:t>
-            </a:r>
-            <a:r>
-              <a:rPr kumimoji="1" lang="en-US" altLang="zh-TW" dirty="0" smtClean="0"/>
-              <a:t>Scope </a:t>
+              <a:t>HSA-Applied Scope </a:t>
             </a:r>
             <a:endParaRPr kumimoji="1" lang="zh-TW" altLang="en-US" dirty="0"/>
           </a:p>
@@ -7118,11 +7111,7 @@
           <a:p>
             <a:r>
               <a:rPr kumimoji="1" lang="en-US" altLang="zh-TW" dirty="0" smtClean="0"/>
-              <a:t>compile </a:t>
-            </a:r>
-            <a:r>
-              <a:rPr kumimoji="1" lang="en-US" altLang="zh-TW" dirty="0" smtClean="0"/>
-              <a:t>opencv-3.0.0</a:t>
+              <a:t>compile opencv-3.0.0</a:t>
             </a:r>
           </a:p>
           <a:p>
@@ -7534,6 +7523,106 @@
     <p:extLst>
       <p:ext uri="{BB962C8B-B14F-4D97-AF65-F5344CB8AC3E}">
         <p14:creationId xmlns:p14="http://schemas.microsoft.com/office/powerpoint/2010/main" val="4020662410"/>
+      </p:ext>
+    </p:extLst>
+  </p:cSld>
+  <p:clrMapOvr>
+    <a:masterClrMapping/>
+  </p:clrMapOvr>
+</p:sld>
+</file>
+
+<file path=ppt/slides/slide6.xml><?xml version="1.0" encoding="utf-8"?>
+<p:sld xmlns:a="http://schemas.openxmlformats.org/drawingml/2006/main" xmlns:r="http://schemas.openxmlformats.org/officeDocument/2006/relationships" xmlns:p="http://schemas.openxmlformats.org/presentationml/2006/main">
+  <p:cSld>
+    <p:spTree>
+      <p:nvGrpSpPr>
+        <p:cNvPr id="1" name=""/>
+        <p:cNvGrpSpPr/>
+        <p:nvPr/>
+      </p:nvGrpSpPr>
+      <p:grpSpPr>
+        <a:xfrm>
+          <a:off x="0" y="0"/>
+          <a:ext cx="0" cy="0"/>
+          <a:chOff x="0" y="0"/>
+          <a:chExt cx="0" cy="0"/>
+        </a:xfrm>
+      </p:grpSpPr>
+      <p:sp>
+        <p:nvSpPr>
+          <p:cNvPr id="2" name="標題 1"/>
+          <p:cNvSpPr>
+            <a:spLocks noGrp="1"/>
+          </p:cNvSpPr>
+          <p:nvPr>
+            <p:ph type="title"/>
+          </p:nvPr>
+        </p:nvSpPr>
+        <p:spPr/>
+        <p:txBody>
+          <a:bodyPr/>
+          <a:lstStyle/>
+          <a:p>
+            <a:r>
+              <a:rPr kumimoji="1" lang="en-US" altLang="zh-TW" dirty="0"/>
+              <a:t>R</a:t>
+            </a:r>
+            <a:r>
+              <a:rPr kumimoji="1" lang="en-US" altLang="zh-TW" dirty="0" smtClean="0"/>
+              <a:t>eferences</a:t>
+            </a:r>
+            <a:endParaRPr kumimoji="1" lang="zh-TW" altLang="en-US" dirty="0"/>
+          </a:p>
+        </p:txBody>
+      </p:sp>
+      <p:sp>
+        <p:nvSpPr>
+          <p:cNvPr id="3" name="內容版面配置區 2"/>
+          <p:cNvSpPr>
+            <a:spLocks noGrp="1"/>
+          </p:cNvSpPr>
+          <p:nvPr>
+            <p:ph idx="1"/>
+          </p:nvPr>
+        </p:nvSpPr>
+        <p:spPr/>
+        <p:txBody>
+          <a:bodyPr/>
+          <a:lstStyle/>
+          <a:p>
+            <a:pPr>
+              <a:buFont typeface="+mj-lt"/>
+              <a:buAutoNum type="arabicPeriod"/>
+            </a:pPr>
+            <a:r>
+              <a:rPr kumimoji="1" lang="en-US" altLang="zh-TW" dirty="0"/>
+              <a:t>http://</a:t>
+            </a:r>
+            <a:r>
+              <a:rPr kumimoji="1" lang="en-US" altLang="zh-TW" dirty="0" err="1"/>
+              <a:t>www.cmlab.csie.ntu.edu.tw</a:t>
+            </a:r>
+            <a:r>
+              <a:rPr kumimoji="1" lang="en-US" altLang="zh-TW" dirty="0"/>
+              <a:t>/~</a:t>
+            </a:r>
+            <a:r>
+              <a:rPr kumimoji="1" lang="en-US" altLang="zh-TW" dirty="0" err="1"/>
+              <a:t>cyy</a:t>
+            </a:r>
+            <a:r>
+              <a:rPr kumimoji="1" lang="en-US" altLang="zh-TW" dirty="0"/>
+              <a:t>/learning/tutorials/SVM2.pdf</a:t>
+            </a:r>
+            <a:endParaRPr kumimoji="1" lang="zh-TW" altLang="en-US" dirty="0"/>
+          </a:p>
+        </p:txBody>
+      </p:sp>
+    </p:spTree>
+    <p:extLst>
+      <p:ext uri="{BB962C8B-B14F-4D97-AF65-F5344CB8AC3E}">
+        <p14:creationId xmlns:p14="http://schemas.microsoft.com/office/powerpoint/2010/main" val="3130320635"/>
       </p:ext>
     </p:extLst>
   </p:cSld>

--- a/doc/hsacyl_v1.pptx
+++ b/doc/hsacyl_v1.pptx
@@ -167,10 +167,10 @@
               <c:strCache>
                 <c:ptCount val="2"/>
                 <c:pt idx="0">
-                  <c:v>runtime ( 10s )</c:v>
+                  <c:v>execution time ( ms )</c:v>
                 </c:pt>
                 <c:pt idx="1">
-                  <c:v>speed gain ( % )</c:v>
+                  <c:v>performance gain ( % )</c:v>
                 </c:pt>
               </c:strCache>
             </c:strRef>
@@ -182,10 +182,7 @@
                 <c:formatCode>General</c:formatCode>
                 <c:ptCount val="2"/>
                 <c:pt idx="0">
-                  <c:v>9.6</c:v>
-                </c:pt>
-                <c:pt idx="1">
-                  <c:v>0.0</c:v>
+                  <c:v>60.0</c:v>
                 </c:pt>
               </c:numCache>
             </c:numRef>
@@ -212,10 +209,10 @@
               <c:strCache>
                 <c:ptCount val="2"/>
                 <c:pt idx="0">
-                  <c:v>runtime ( 10s )</c:v>
+                  <c:v>execution time ( ms )</c:v>
                 </c:pt>
                 <c:pt idx="1">
-                  <c:v>speed gain ( % )</c:v>
+                  <c:v>performance gain ( % )</c:v>
                 </c:pt>
               </c:strCache>
             </c:strRef>
@@ -227,10 +224,10 @@
                 <c:formatCode>General</c:formatCode>
                 <c:ptCount val="2"/>
                 <c:pt idx="0">
-                  <c:v>1.3</c:v>
+                  <c:v>70.0</c:v>
                 </c:pt>
                 <c:pt idx="1">
-                  <c:v>7.384615384615384</c:v>
+                  <c:v>85.7142857142857</c:v>
                 </c:pt>
               </c:numCache>
             </c:numRef>
@@ -257,10 +254,10 @@
               <c:strCache>
                 <c:ptCount val="2"/>
                 <c:pt idx="0">
-                  <c:v>runtime ( 10s )</c:v>
+                  <c:v>execution time ( ms )</c:v>
                 </c:pt>
                 <c:pt idx="1">
-                  <c:v>speed gain ( % )</c:v>
+                  <c:v>performance gain ( % )</c:v>
                 </c:pt>
               </c:strCache>
             </c:strRef>
@@ -272,10 +269,10 @@
                 <c:formatCode>General</c:formatCode>
                 <c:ptCount val="2"/>
                 <c:pt idx="0">
-                  <c:v>4.5</c:v>
+                  <c:v>30.0</c:v>
                 </c:pt>
                 <c:pt idx="1">
-                  <c:v>2.133333333333333</c:v>
+                  <c:v>200.0</c:v>
                 </c:pt>
               </c:numCache>
             </c:numRef>
@@ -333,8 +330,8 @@
         <c:manualLayout>
           <c:xMode val="edge"/>
           <c:yMode val="edge"/>
-          <c:x val="0.667411711589069"/>
-          <c:y val="0.0282018616771993"/>
+          <c:x val="0.708908018033086"/>
+          <c:y val="0.00137638962413976"/>
           <c:w val="0.287994927708172"/>
           <c:h val="0.287372885942898"/>
         </c:manualLayout>
@@ -7294,14 +7291,14 @@
           <p:nvPr>
             <p:extLst>
               <p:ext uri="{D42A27DB-BD31-4B8C-83A1-F6EECF244321}">
-                <p14:modId xmlns:p14="http://schemas.microsoft.com/office/powerpoint/2010/main" val="319185680"/>
+                <p14:modId xmlns:p14="http://schemas.microsoft.com/office/powerpoint/2010/main" val="1534138569"/>
               </p:ext>
             </p:extLst>
           </p:nvPr>
         </p:nvGraphicFramePr>
         <p:xfrm>
-          <a:off x="403272" y="1503442"/>
-          <a:ext cx="6427075" cy="3787445"/>
+          <a:off x="403271" y="1503442"/>
+          <a:ext cx="6589087" cy="3787445"/>
         </p:xfrm>
         <a:graphic>
           <a:graphicData uri="http://schemas.openxmlformats.org/drawingml/2006/chart">
@@ -7317,7 +7314,7 @@
         </p:nvSpPr>
         <p:spPr>
           <a:xfrm>
-            <a:off x="4810672" y="3163230"/>
+            <a:off x="5207693" y="3224426"/>
             <a:ext cx="1784665" cy="1754327"/>
           </a:xfrm>
           <a:prstGeom prst="rect">
@@ -7357,8 +7354,8 @@
         </p:blipFill>
         <p:spPr>
           <a:xfrm>
-            <a:off x="6830347" y="3977868"/>
-            <a:ext cx="2015159" cy="2447335"/>
+            <a:off x="7175965" y="4253260"/>
+            <a:ext cx="1669541" cy="2171943"/>
           </a:xfrm>
           <a:prstGeom prst="rect">
             <a:avLst/>
@@ -7381,14 +7378,44 @@
         </p:blipFill>
         <p:spPr>
           <a:xfrm>
-            <a:off x="6830346" y="1503441"/>
-            <a:ext cx="2015159" cy="2139815"/>
+            <a:off x="7175965" y="1503441"/>
+            <a:ext cx="1669540" cy="2139815"/>
           </a:xfrm>
           <a:prstGeom prst="rect">
             <a:avLst/>
           </a:prstGeom>
         </p:spPr>
       </p:pic>
+      <p:sp>
+        <p:nvSpPr>
+          <p:cNvPr id="7" name="文字方塊 6"/>
+          <p:cNvSpPr txBox="1"/>
+          <p:nvPr/>
+        </p:nvSpPr>
+        <p:spPr>
+          <a:xfrm>
+            <a:off x="963935" y="5628064"/>
+            <a:ext cx="5645909" cy="646331"/>
+          </a:xfrm>
+          <a:prstGeom prst="rect">
+            <a:avLst/>
+          </a:prstGeom>
+          <a:noFill/>
+        </p:spPr>
+        <p:txBody>
+          <a:bodyPr wrap="square" rtlCol="0">
+            <a:spAutoFit/>
+          </a:bodyPr>
+          <a:lstStyle/>
+          <a:p>
+            <a:r>
+              <a:rPr kumimoji="1" lang="en-US" altLang="zh-TW" dirty="0" smtClean="0"/>
+              <a:t>Those results are derived from the execution time of  one-time iteration. </a:t>
+            </a:r>
+            <a:endParaRPr kumimoji="1" lang="zh-TW" altLang="en-US" dirty="0"/>
+          </a:p>
+        </p:txBody>
+      </p:sp>
     </p:spTree>
     <p:extLst>
       <p:ext uri="{BB962C8B-B14F-4D97-AF65-F5344CB8AC3E}">
